--- a/ppt 16-9/1301.我们小孩.pptx
+++ b/ppt 16-9/1301.我们小孩.pptx
@@ -5,7 +5,7 @@
     <p:sldMasterId id="2147483648" r:id="rId1"/>
   </p:sldMasterIdLst>
   <p:sldIdLst>
-    <p:sldId id="850" r:id="rId2"/>
+    <p:sldId id="851" r:id="rId2"/>
   </p:sldIdLst>
   <p:sldSz cx="12192000" cy="6858000"/>
   <p:notesSz cx="6858000" cy="9144000"/>
@@ -129,7 +129,7 @@
           <p:cNvPr id="2" name="标题 1">
             <a:extLst>
               <a:ext uri="{FF2B5EF4-FFF2-40B4-BE49-F238E27FC236}">
-                <a16:creationId xmlns:a16="http://schemas.microsoft.com/office/drawing/2014/main" id="{FE732E80-E0DF-2EED-09B9-51F2CEC8A36A}"/>
+                <a16:creationId xmlns:a16="http://schemas.microsoft.com/office/drawing/2014/main" id="{845D0AD8-CAC8-9CA1-41CF-54FA3B8C2803}"/>
               </a:ext>
             </a:extLst>
           </p:cNvPr>
@@ -166,7 +166,7 @@
           <p:cNvPr id="3" name="副标题 2">
             <a:extLst>
               <a:ext uri="{FF2B5EF4-FFF2-40B4-BE49-F238E27FC236}">
-                <a16:creationId xmlns:a16="http://schemas.microsoft.com/office/drawing/2014/main" id="{69671435-B159-EB9E-3C6D-60912746B894}"/>
+                <a16:creationId xmlns:a16="http://schemas.microsoft.com/office/drawing/2014/main" id="{9570DD2B-6F26-BB8A-DF77-AE57B0B52487}"/>
               </a:ext>
             </a:extLst>
           </p:cNvPr>
@@ -236,7 +236,7 @@
           <p:cNvPr id="4" name="日期占位符 3">
             <a:extLst>
               <a:ext uri="{FF2B5EF4-FFF2-40B4-BE49-F238E27FC236}">
-                <a16:creationId xmlns:a16="http://schemas.microsoft.com/office/drawing/2014/main" id="{08765510-F030-4FA3-A554-C7361E601999}"/>
+                <a16:creationId xmlns:a16="http://schemas.microsoft.com/office/drawing/2014/main" id="{89B9F922-5529-F44F-7400-1D41C953EBA0}"/>
               </a:ext>
             </a:extLst>
           </p:cNvPr>
@@ -252,7 +252,7 @@
           <a:bodyPr/>
           <a:lstStyle/>
           <a:p>
-            <a:fld id="{B2E6439E-2D6D-4DA9-99E4-3EDA211CF4CD}" type="datetimeFigureOut">
+            <a:fld id="{A93FE63F-DB6B-4C25-833A-410D08F9F685}" type="datetimeFigureOut">
               <a:rPr lang="zh-CN" altLang="en-US" smtClean="0"/>
               <a:t>2024/3/10</a:t>
             </a:fld>
@@ -265,7 +265,7 @@
           <p:cNvPr id="5" name="页脚占位符 4">
             <a:extLst>
               <a:ext uri="{FF2B5EF4-FFF2-40B4-BE49-F238E27FC236}">
-                <a16:creationId xmlns:a16="http://schemas.microsoft.com/office/drawing/2014/main" id="{B5328919-EA3A-E0FF-B2DC-5F127062D82A}"/>
+                <a16:creationId xmlns:a16="http://schemas.microsoft.com/office/drawing/2014/main" id="{A31C3E22-5713-C9E4-5D99-90B9CFDF2EA2}"/>
               </a:ext>
             </a:extLst>
           </p:cNvPr>
@@ -290,7 +290,7 @@
           <p:cNvPr id="6" name="灯片编号占位符 5">
             <a:extLst>
               <a:ext uri="{FF2B5EF4-FFF2-40B4-BE49-F238E27FC236}">
-                <a16:creationId xmlns:a16="http://schemas.microsoft.com/office/drawing/2014/main" id="{E5A0BC9B-75E3-3FCF-86F1-049BB1B84EE7}"/>
+                <a16:creationId xmlns:a16="http://schemas.microsoft.com/office/drawing/2014/main" id="{DA1E6A3F-B900-1732-77BB-F5C24959C832}"/>
               </a:ext>
             </a:extLst>
           </p:cNvPr>
@@ -306,7 +306,7 @@
           <a:bodyPr/>
           <a:lstStyle/>
           <a:p>
-            <a:fld id="{3774D476-C184-40BF-9D56-029BF301EDEB}" type="slidenum">
+            <a:fld id="{759A46DF-0388-4443-9742-317579AC8025}" type="slidenum">
               <a:rPr lang="zh-CN" altLang="en-US" smtClean="0"/>
               <a:t>‹#›</a:t>
             </a:fld>
@@ -317,7 +317,7 @@
     </p:spTree>
     <p:extLst>
       <p:ext uri="{BB962C8B-B14F-4D97-AF65-F5344CB8AC3E}">
-        <p14:creationId xmlns:p14="http://schemas.microsoft.com/office/powerpoint/2010/main" val="3672095070"/>
+        <p14:creationId xmlns:p14="http://schemas.microsoft.com/office/powerpoint/2010/main" val="1687513332"/>
       </p:ext>
     </p:extLst>
   </p:cSld>
@@ -349,7 +349,7 @@
           <p:cNvPr id="2" name="标题 1">
             <a:extLst>
               <a:ext uri="{FF2B5EF4-FFF2-40B4-BE49-F238E27FC236}">
-                <a16:creationId xmlns:a16="http://schemas.microsoft.com/office/drawing/2014/main" id="{BD6BBAEA-5B26-8310-16DF-EB45CF79D6B6}"/>
+                <a16:creationId xmlns:a16="http://schemas.microsoft.com/office/drawing/2014/main" id="{6123DD39-8A6C-43A1-4436-0A45804EEBF4}"/>
               </a:ext>
             </a:extLst>
           </p:cNvPr>
@@ -377,7 +377,7 @@
           <p:cNvPr id="3" name="竖排文字占位符 2">
             <a:extLst>
               <a:ext uri="{FF2B5EF4-FFF2-40B4-BE49-F238E27FC236}">
-                <a16:creationId xmlns:a16="http://schemas.microsoft.com/office/drawing/2014/main" id="{020567E8-B77F-19F4-94C2-63AD3E822270}"/>
+                <a16:creationId xmlns:a16="http://schemas.microsoft.com/office/drawing/2014/main" id="{A9DBDB15-503D-CA07-82B4-E2EA1E128E00}"/>
               </a:ext>
             </a:extLst>
           </p:cNvPr>
@@ -434,7 +434,7 @@
           <p:cNvPr id="4" name="日期占位符 3">
             <a:extLst>
               <a:ext uri="{FF2B5EF4-FFF2-40B4-BE49-F238E27FC236}">
-                <a16:creationId xmlns:a16="http://schemas.microsoft.com/office/drawing/2014/main" id="{7AC615D5-E1A7-33AC-0BEA-82AE648A7305}"/>
+                <a16:creationId xmlns:a16="http://schemas.microsoft.com/office/drawing/2014/main" id="{9F16DF2F-D24E-81EF-64C5-C294C0FBC2C3}"/>
               </a:ext>
             </a:extLst>
           </p:cNvPr>
@@ -450,7 +450,7 @@
           <a:bodyPr/>
           <a:lstStyle/>
           <a:p>
-            <a:fld id="{B2E6439E-2D6D-4DA9-99E4-3EDA211CF4CD}" type="datetimeFigureOut">
+            <a:fld id="{A93FE63F-DB6B-4C25-833A-410D08F9F685}" type="datetimeFigureOut">
               <a:rPr lang="zh-CN" altLang="en-US" smtClean="0"/>
               <a:t>2024/3/10</a:t>
             </a:fld>
@@ -463,7 +463,7 @@
           <p:cNvPr id="5" name="页脚占位符 4">
             <a:extLst>
               <a:ext uri="{FF2B5EF4-FFF2-40B4-BE49-F238E27FC236}">
-                <a16:creationId xmlns:a16="http://schemas.microsoft.com/office/drawing/2014/main" id="{B46AE82F-196C-32EC-1093-7F8C2B2E32B5}"/>
+                <a16:creationId xmlns:a16="http://schemas.microsoft.com/office/drawing/2014/main" id="{05C666A5-191F-FF95-8171-E96631F9F480}"/>
               </a:ext>
             </a:extLst>
           </p:cNvPr>
@@ -488,7 +488,7 @@
           <p:cNvPr id="6" name="灯片编号占位符 5">
             <a:extLst>
               <a:ext uri="{FF2B5EF4-FFF2-40B4-BE49-F238E27FC236}">
-                <a16:creationId xmlns:a16="http://schemas.microsoft.com/office/drawing/2014/main" id="{ECDDBDBA-FAD8-14AE-03BD-8FD467C884D3}"/>
+                <a16:creationId xmlns:a16="http://schemas.microsoft.com/office/drawing/2014/main" id="{06380B34-E4BC-9F21-4954-7A5224C73AD4}"/>
               </a:ext>
             </a:extLst>
           </p:cNvPr>
@@ -504,7 +504,7 @@
           <a:bodyPr/>
           <a:lstStyle/>
           <a:p>
-            <a:fld id="{3774D476-C184-40BF-9D56-029BF301EDEB}" type="slidenum">
+            <a:fld id="{759A46DF-0388-4443-9742-317579AC8025}" type="slidenum">
               <a:rPr lang="zh-CN" altLang="en-US" smtClean="0"/>
               <a:t>‹#›</a:t>
             </a:fld>
@@ -515,7 +515,7 @@
     </p:spTree>
     <p:extLst>
       <p:ext uri="{BB962C8B-B14F-4D97-AF65-F5344CB8AC3E}">
-        <p14:creationId xmlns:p14="http://schemas.microsoft.com/office/powerpoint/2010/main" val="3822018940"/>
+        <p14:creationId xmlns:p14="http://schemas.microsoft.com/office/powerpoint/2010/main" val="2634542195"/>
       </p:ext>
     </p:extLst>
   </p:cSld>
@@ -547,7 +547,7 @@
           <p:cNvPr id="2" name="竖排标题 1">
             <a:extLst>
               <a:ext uri="{FF2B5EF4-FFF2-40B4-BE49-F238E27FC236}">
-                <a16:creationId xmlns:a16="http://schemas.microsoft.com/office/drawing/2014/main" id="{3CA06902-CE11-5CC8-6C62-70F0468E09B1}"/>
+                <a16:creationId xmlns:a16="http://schemas.microsoft.com/office/drawing/2014/main" id="{EAD8A21B-BA14-046B-04F2-7F9DA6796834}"/>
               </a:ext>
             </a:extLst>
           </p:cNvPr>
@@ -580,7 +580,7 @@
           <p:cNvPr id="3" name="竖排文字占位符 2">
             <a:extLst>
               <a:ext uri="{FF2B5EF4-FFF2-40B4-BE49-F238E27FC236}">
-                <a16:creationId xmlns:a16="http://schemas.microsoft.com/office/drawing/2014/main" id="{D305A6AB-99C5-BD37-F655-C0AB12CE0F9E}"/>
+                <a16:creationId xmlns:a16="http://schemas.microsoft.com/office/drawing/2014/main" id="{53AB5201-1B65-E5B6-C378-446DD0314356}"/>
               </a:ext>
             </a:extLst>
           </p:cNvPr>
@@ -642,7 +642,7 @@
           <p:cNvPr id="4" name="日期占位符 3">
             <a:extLst>
               <a:ext uri="{FF2B5EF4-FFF2-40B4-BE49-F238E27FC236}">
-                <a16:creationId xmlns:a16="http://schemas.microsoft.com/office/drawing/2014/main" id="{67331A29-C2AF-13A4-79A6-24C228AD30EC}"/>
+                <a16:creationId xmlns:a16="http://schemas.microsoft.com/office/drawing/2014/main" id="{CD51C8CD-AC39-554E-6654-60D0928E6E04}"/>
               </a:ext>
             </a:extLst>
           </p:cNvPr>
@@ -658,7 +658,7 @@
           <a:bodyPr/>
           <a:lstStyle/>
           <a:p>
-            <a:fld id="{B2E6439E-2D6D-4DA9-99E4-3EDA211CF4CD}" type="datetimeFigureOut">
+            <a:fld id="{A93FE63F-DB6B-4C25-833A-410D08F9F685}" type="datetimeFigureOut">
               <a:rPr lang="zh-CN" altLang="en-US" smtClean="0"/>
               <a:t>2024/3/10</a:t>
             </a:fld>
@@ -671,7 +671,7 @@
           <p:cNvPr id="5" name="页脚占位符 4">
             <a:extLst>
               <a:ext uri="{FF2B5EF4-FFF2-40B4-BE49-F238E27FC236}">
-                <a16:creationId xmlns:a16="http://schemas.microsoft.com/office/drawing/2014/main" id="{332EF227-1196-647A-DDC6-A52B3732CB9C}"/>
+                <a16:creationId xmlns:a16="http://schemas.microsoft.com/office/drawing/2014/main" id="{74CD274A-6148-275D-6CD5-6F4B233B84F0}"/>
               </a:ext>
             </a:extLst>
           </p:cNvPr>
@@ -696,7 +696,7 @@
           <p:cNvPr id="6" name="灯片编号占位符 5">
             <a:extLst>
               <a:ext uri="{FF2B5EF4-FFF2-40B4-BE49-F238E27FC236}">
-                <a16:creationId xmlns:a16="http://schemas.microsoft.com/office/drawing/2014/main" id="{F5514556-B3F5-4B30-8F44-81C54F6D7FD4}"/>
+                <a16:creationId xmlns:a16="http://schemas.microsoft.com/office/drawing/2014/main" id="{58F1B825-C695-F27E-6C54-35F18EF511B8}"/>
               </a:ext>
             </a:extLst>
           </p:cNvPr>
@@ -712,7 +712,7 @@
           <a:bodyPr/>
           <a:lstStyle/>
           <a:p>
-            <a:fld id="{3774D476-C184-40BF-9D56-029BF301EDEB}" type="slidenum">
+            <a:fld id="{759A46DF-0388-4443-9742-317579AC8025}" type="slidenum">
               <a:rPr lang="zh-CN" altLang="en-US" smtClean="0"/>
               <a:t>‹#›</a:t>
             </a:fld>
@@ -723,7 +723,7 @@
     </p:spTree>
     <p:extLst>
       <p:ext uri="{BB962C8B-B14F-4D97-AF65-F5344CB8AC3E}">
-        <p14:creationId xmlns:p14="http://schemas.microsoft.com/office/powerpoint/2010/main" val="3080812066"/>
+        <p14:creationId xmlns:p14="http://schemas.microsoft.com/office/powerpoint/2010/main" val="2425538039"/>
       </p:ext>
     </p:extLst>
   </p:cSld>
@@ -755,7 +755,7 @@
           <p:cNvPr id="2" name="标题 1">
             <a:extLst>
               <a:ext uri="{FF2B5EF4-FFF2-40B4-BE49-F238E27FC236}">
-                <a16:creationId xmlns:a16="http://schemas.microsoft.com/office/drawing/2014/main" id="{DB06B29E-576B-3575-7B77-3A28275D2FFA}"/>
+                <a16:creationId xmlns:a16="http://schemas.microsoft.com/office/drawing/2014/main" id="{9E43ADFD-854E-50AC-E2A3-3221DC0CC45D}"/>
               </a:ext>
             </a:extLst>
           </p:cNvPr>
@@ -783,7 +783,7 @@
           <p:cNvPr id="3" name="内容占位符 2">
             <a:extLst>
               <a:ext uri="{FF2B5EF4-FFF2-40B4-BE49-F238E27FC236}">
-                <a16:creationId xmlns:a16="http://schemas.microsoft.com/office/drawing/2014/main" id="{B309B1FF-9941-9B13-CA35-8C67A137C88F}"/>
+                <a16:creationId xmlns:a16="http://schemas.microsoft.com/office/drawing/2014/main" id="{78E0222E-928C-13BD-CCC1-538EF19ABA74}"/>
               </a:ext>
             </a:extLst>
           </p:cNvPr>
@@ -840,7 +840,7 @@
           <p:cNvPr id="4" name="日期占位符 3">
             <a:extLst>
               <a:ext uri="{FF2B5EF4-FFF2-40B4-BE49-F238E27FC236}">
-                <a16:creationId xmlns:a16="http://schemas.microsoft.com/office/drawing/2014/main" id="{45B4B6C8-5ADB-E455-89A4-5B45026E2DEC}"/>
+                <a16:creationId xmlns:a16="http://schemas.microsoft.com/office/drawing/2014/main" id="{D05FA729-DC5D-066D-C540-17863D6E4521}"/>
               </a:ext>
             </a:extLst>
           </p:cNvPr>
@@ -856,7 +856,7 @@
           <a:bodyPr/>
           <a:lstStyle/>
           <a:p>
-            <a:fld id="{B2E6439E-2D6D-4DA9-99E4-3EDA211CF4CD}" type="datetimeFigureOut">
+            <a:fld id="{A93FE63F-DB6B-4C25-833A-410D08F9F685}" type="datetimeFigureOut">
               <a:rPr lang="zh-CN" altLang="en-US" smtClean="0"/>
               <a:t>2024/3/10</a:t>
             </a:fld>
@@ -869,7 +869,7 @@
           <p:cNvPr id="5" name="页脚占位符 4">
             <a:extLst>
               <a:ext uri="{FF2B5EF4-FFF2-40B4-BE49-F238E27FC236}">
-                <a16:creationId xmlns:a16="http://schemas.microsoft.com/office/drawing/2014/main" id="{21A625C3-DFC6-AA83-4154-1D41E730F818}"/>
+                <a16:creationId xmlns:a16="http://schemas.microsoft.com/office/drawing/2014/main" id="{E060323F-BE5B-78E2-D8BD-087AE5E581B1}"/>
               </a:ext>
             </a:extLst>
           </p:cNvPr>
@@ -894,7 +894,7 @@
           <p:cNvPr id="6" name="灯片编号占位符 5">
             <a:extLst>
               <a:ext uri="{FF2B5EF4-FFF2-40B4-BE49-F238E27FC236}">
-                <a16:creationId xmlns:a16="http://schemas.microsoft.com/office/drawing/2014/main" id="{8954D3E1-797B-34B6-C5B0-9BFE17221C58}"/>
+                <a16:creationId xmlns:a16="http://schemas.microsoft.com/office/drawing/2014/main" id="{63D03001-3B4E-D77E-9706-4314E95C613B}"/>
               </a:ext>
             </a:extLst>
           </p:cNvPr>
@@ -910,7 +910,7 @@
           <a:bodyPr/>
           <a:lstStyle/>
           <a:p>
-            <a:fld id="{3774D476-C184-40BF-9D56-029BF301EDEB}" type="slidenum">
+            <a:fld id="{759A46DF-0388-4443-9742-317579AC8025}" type="slidenum">
               <a:rPr lang="zh-CN" altLang="en-US" smtClean="0"/>
               <a:t>‹#›</a:t>
             </a:fld>
@@ -921,7 +921,7 @@
     </p:spTree>
     <p:extLst>
       <p:ext uri="{BB962C8B-B14F-4D97-AF65-F5344CB8AC3E}">
-        <p14:creationId xmlns:p14="http://schemas.microsoft.com/office/powerpoint/2010/main" val="1217838814"/>
+        <p14:creationId xmlns:p14="http://schemas.microsoft.com/office/powerpoint/2010/main" val="626518911"/>
       </p:ext>
     </p:extLst>
   </p:cSld>
@@ -953,7 +953,7 @@
           <p:cNvPr id="2" name="标题 1">
             <a:extLst>
               <a:ext uri="{FF2B5EF4-FFF2-40B4-BE49-F238E27FC236}">
-                <a16:creationId xmlns:a16="http://schemas.microsoft.com/office/drawing/2014/main" id="{82D60327-BCE9-980C-D233-A815CB9B5EAC}"/>
+                <a16:creationId xmlns:a16="http://schemas.microsoft.com/office/drawing/2014/main" id="{C3E57D64-086D-44EE-5847-32904D72CC06}"/>
               </a:ext>
             </a:extLst>
           </p:cNvPr>
@@ -990,7 +990,7 @@
           <p:cNvPr id="3" name="文本占位符 2">
             <a:extLst>
               <a:ext uri="{FF2B5EF4-FFF2-40B4-BE49-F238E27FC236}">
-                <a16:creationId xmlns:a16="http://schemas.microsoft.com/office/drawing/2014/main" id="{01F8730C-E8CD-0059-E5E0-54DF50F0A791}"/>
+                <a16:creationId xmlns:a16="http://schemas.microsoft.com/office/drawing/2014/main" id="{55EB36C1-2C0B-C6ED-6A43-9745807F4823}"/>
               </a:ext>
             </a:extLst>
           </p:cNvPr>
@@ -1115,7 +1115,7 @@
           <p:cNvPr id="4" name="日期占位符 3">
             <a:extLst>
               <a:ext uri="{FF2B5EF4-FFF2-40B4-BE49-F238E27FC236}">
-                <a16:creationId xmlns:a16="http://schemas.microsoft.com/office/drawing/2014/main" id="{A063364A-67D5-D376-2092-774D1E7C8603}"/>
+                <a16:creationId xmlns:a16="http://schemas.microsoft.com/office/drawing/2014/main" id="{5C4685E8-553C-025B-61B0-C8B83FE2252A}"/>
               </a:ext>
             </a:extLst>
           </p:cNvPr>
@@ -1131,7 +1131,7 @@
           <a:bodyPr/>
           <a:lstStyle/>
           <a:p>
-            <a:fld id="{B2E6439E-2D6D-4DA9-99E4-3EDA211CF4CD}" type="datetimeFigureOut">
+            <a:fld id="{A93FE63F-DB6B-4C25-833A-410D08F9F685}" type="datetimeFigureOut">
               <a:rPr lang="zh-CN" altLang="en-US" smtClean="0"/>
               <a:t>2024/3/10</a:t>
             </a:fld>
@@ -1144,7 +1144,7 @@
           <p:cNvPr id="5" name="页脚占位符 4">
             <a:extLst>
               <a:ext uri="{FF2B5EF4-FFF2-40B4-BE49-F238E27FC236}">
-                <a16:creationId xmlns:a16="http://schemas.microsoft.com/office/drawing/2014/main" id="{C24B4BE1-724E-F28F-6133-F3C1229EA572}"/>
+                <a16:creationId xmlns:a16="http://schemas.microsoft.com/office/drawing/2014/main" id="{8807F5EF-6031-51C0-2622-99D458F7250D}"/>
               </a:ext>
             </a:extLst>
           </p:cNvPr>
@@ -1169,7 +1169,7 @@
           <p:cNvPr id="6" name="灯片编号占位符 5">
             <a:extLst>
               <a:ext uri="{FF2B5EF4-FFF2-40B4-BE49-F238E27FC236}">
-                <a16:creationId xmlns:a16="http://schemas.microsoft.com/office/drawing/2014/main" id="{5308C70B-76DE-4CB6-C215-89CA8F1BB0E1}"/>
+                <a16:creationId xmlns:a16="http://schemas.microsoft.com/office/drawing/2014/main" id="{5B497A1B-947F-102B-49F9-B1FB25349032}"/>
               </a:ext>
             </a:extLst>
           </p:cNvPr>
@@ -1185,7 +1185,7 @@
           <a:bodyPr/>
           <a:lstStyle/>
           <a:p>
-            <a:fld id="{3774D476-C184-40BF-9D56-029BF301EDEB}" type="slidenum">
+            <a:fld id="{759A46DF-0388-4443-9742-317579AC8025}" type="slidenum">
               <a:rPr lang="zh-CN" altLang="en-US" smtClean="0"/>
               <a:t>‹#›</a:t>
             </a:fld>
@@ -1196,7 +1196,7 @@
     </p:spTree>
     <p:extLst>
       <p:ext uri="{BB962C8B-B14F-4D97-AF65-F5344CB8AC3E}">
-        <p14:creationId xmlns:p14="http://schemas.microsoft.com/office/powerpoint/2010/main" val="934359255"/>
+        <p14:creationId xmlns:p14="http://schemas.microsoft.com/office/powerpoint/2010/main" val="2379762038"/>
       </p:ext>
     </p:extLst>
   </p:cSld>
@@ -1228,7 +1228,7 @@
           <p:cNvPr id="2" name="标题 1">
             <a:extLst>
               <a:ext uri="{FF2B5EF4-FFF2-40B4-BE49-F238E27FC236}">
-                <a16:creationId xmlns:a16="http://schemas.microsoft.com/office/drawing/2014/main" id="{32ADD045-D282-5CEF-6B27-FA4C65F453EE}"/>
+                <a16:creationId xmlns:a16="http://schemas.microsoft.com/office/drawing/2014/main" id="{4A241692-2AA1-B168-7A36-B89AB0A904BE}"/>
               </a:ext>
             </a:extLst>
           </p:cNvPr>
@@ -1256,7 +1256,7 @@
           <p:cNvPr id="3" name="内容占位符 2">
             <a:extLst>
               <a:ext uri="{FF2B5EF4-FFF2-40B4-BE49-F238E27FC236}">
-                <a16:creationId xmlns:a16="http://schemas.microsoft.com/office/drawing/2014/main" id="{0252FBFB-03D3-9396-4ECD-D046797C4E4E}"/>
+                <a16:creationId xmlns:a16="http://schemas.microsoft.com/office/drawing/2014/main" id="{63BEB414-427D-0CBE-3ECC-4A84D3328AB6}"/>
               </a:ext>
             </a:extLst>
           </p:cNvPr>
@@ -1318,7 +1318,7 @@
           <p:cNvPr id="4" name="内容占位符 3">
             <a:extLst>
               <a:ext uri="{FF2B5EF4-FFF2-40B4-BE49-F238E27FC236}">
-                <a16:creationId xmlns:a16="http://schemas.microsoft.com/office/drawing/2014/main" id="{A26C6FD0-6604-58FB-E20B-354136DBDFF6}"/>
+                <a16:creationId xmlns:a16="http://schemas.microsoft.com/office/drawing/2014/main" id="{958D2A37-9951-2DD2-5B2A-ACC1A6034317}"/>
               </a:ext>
             </a:extLst>
           </p:cNvPr>
@@ -1380,7 +1380,7 @@
           <p:cNvPr id="5" name="日期占位符 4">
             <a:extLst>
               <a:ext uri="{FF2B5EF4-FFF2-40B4-BE49-F238E27FC236}">
-                <a16:creationId xmlns:a16="http://schemas.microsoft.com/office/drawing/2014/main" id="{AFAF66D5-CB16-BDE1-3715-E0290E1120BB}"/>
+                <a16:creationId xmlns:a16="http://schemas.microsoft.com/office/drawing/2014/main" id="{23622C38-EC86-A6FF-5BBB-FB069E56EEA7}"/>
               </a:ext>
             </a:extLst>
           </p:cNvPr>
@@ -1396,7 +1396,7 @@
           <a:bodyPr/>
           <a:lstStyle/>
           <a:p>
-            <a:fld id="{B2E6439E-2D6D-4DA9-99E4-3EDA211CF4CD}" type="datetimeFigureOut">
+            <a:fld id="{A93FE63F-DB6B-4C25-833A-410D08F9F685}" type="datetimeFigureOut">
               <a:rPr lang="zh-CN" altLang="en-US" smtClean="0"/>
               <a:t>2024/3/10</a:t>
             </a:fld>
@@ -1409,7 +1409,7 @@
           <p:cNvPr id="6" name="页脚占位符 5">
             <a:extLst>
               <a:ext uri="{FF2B5EF4-FFF2-40B4-BE49-F238E27FC236}">
-                <a16:creationId xmlns:a16="http://schemas.microsoft.com/office/drawing/2014/main" id="{43A9D89D-2451-ABB1-E661-8DC5CE67F2AA}"/>
+                <a16:creationId xmlns:a16="http://schemas.microsoft.com/office/drawing/2014/main" id="{2B949A24-185B-FAC2-AF93-C3BD102DD36F}"/>
               </a:ext>
             </a:extLst>
           </p:cNvPr>
@@ -1434,7 +1434,7 @@
           <p:cNvPr id="7" name="灯片编号占位符 6">
             <a:extLst>
               <a:ext uri="{FF2B5EF4-FFF2-40B4-BE49-F238E27FC236}">
-                <a16:creationId xmlns:a16="http://schemas.microsoft.com/office/drawing/2014/main" id="{919537C6-0E77-53F7-CBD5-648DF3A3ACCE}"/>
+                <a16:creationId xmlns:a16="http://schemas.microsoft.com/office/drawing/2014/main" id="{3BD8F743-963B-3392-9CF2-6FBA28C41467}"/>
               </a:ext>
             </a:extLst>
           </p:cNvPr>
@@ -1450,7 +1450,7 @@
           <a:bodyPr/>
           <a:lstStyle/>
           <a:p>
-            <a:fld id="{3774D476-C184-40BF-9D56-029BF301EDEB}" type="slidenum">
+            <a:fld id="{759A46DF-0388-4443-9742-317579AC8025}" type="slidenum">
               <a:rPr lang="zh-CN" altLang="en-US" smtClean="0"/>
               <a:t>‹#›</a:t>
             </a:fld>
@@ -1461,7 +1461,7 @@
     </p:spTree>
     <p:extLst>
       <p:ext uri="{BB962C8B-B14F-4D97-AF65-F5344CB8AC3E}">
-        <p14:creationId xmlns:p14="http://schemas.microsoft.com/office/powerpoint/2010/main" val="229098246"/>
+        <p14:creationId xmlns:p14="http://schemas.microsoft.com/office/powerpoint/2010/main" val="546573755"/>
       </p:ext>
     </p:extLst>
   </p:cSld>
@@ -1493,7 +1493,7 @@
           <p:cNvPr id="2" name="标题 1">
             <a:extLst>
               <a:ext uri="{FF2B5EF4-FFF2-40B4-BE49-F238E27FC236}">
-                <a16:creationId xmlns:a16="http://schemas.microsoft.com/office/drawing/2014/main" id="{2944EC7A-7077-AFDA-A25B-E399CF363C37}"/>
+                <a16:creationId xmlns:a16="http://schemas.microsoft.com/office/drawing/2014/main" id="{7B21833D-F02A-48C2-72C4-C698C85DDD50}"/>
               </a:ext>
             </a:extLst>
           </p:cNvPr>
@@ -1526,7 +1526,7 @@
           <p:cNvPr id="3" name="文本占位符 2">
             <a:extLst>
               <a:ext uri="{FF2B5EF4-FFF2-40B4-BE49-F238E27FC236}">
-                <a16:creationId xmlns:a16="http://schemas.microsoft.com/office/drawing/2014/main" id="{B540A891-F7C2-6DE0-AC29-6E16D2CA81A3}"/>
+                <a16:creationId xmlns:a16="http://schemas.microsoft.com/office/drawing/2014/main" id="{747B1FFA-9A17-27C2-1D75-7F7228FB535D}"/>
               </a:ext>
             </a:extLst>
           </p:cNvPr>
@@ -1597,7 +1597,7 @@
           <p:cNvPr id="4" name="内容占位符 3">
             <a:extLst>
               <a:ext uri="{FF2B5EF4-FFF2-40B4-BE49-F238E27FC236}">
-                <a16:creationId xmlns:a16="http://schemas.microsoft.com/office/drawing/2014/main" id="{C099405C-B22B-7403-D911-F30CDC7B481E}"/>
+                <a16:creationId xmlns:a16="http://schemas.microsoft.com/office/drawing/2014/main" id="{C5F9B237-F1BD-F7BB-80CC-D43D688FFEFC}"/>
               </a:ext>
             </a:extLst>
           </p:cNvPr>
@@ -1659,7 +1659,7 @@
           <p:cNvPr id="5" name="文本占位符 4">
             <a:extLst>
               <a:ext uri="{FF2B5EF4-FFF2-40B4-BE49-F238E27FC236}">
-                <a16:creationId xmlns:a16="http://schemas.microsoft.com/office/drawing/2014/main" id="{C2F8D70D-0A78-4A35-2B85-89BE5A7F2F76}"/>
+                <a16:creationId xmlns:a16="http://schemas.microsoft.com/office/drawing/2014/main" id="{9CC53345-A983-8026-9E97-BD41B8A23009}"/>
               </a:ext>
             </a:extLst>
           </p:cNvPr>
@@ -1730,7 +1730,7 @@
           <p:cNvPr id="6" name="内容占位符 5">
             <a:extLst>
               <a:ext uri="{FF2B5EF4-FFF2-40B4-BE49-F238E27FC236}">
-                <a16:creationId xmlns:a16="http://schemas.microsoft.com/office/drawing/2014/main" id="{58A1F021-0C3C-5E28-F8AD-A7BAD5E36921}"/>
+                <a16:creationId xmlns:a16="http://schemas.microsoft.com/office/drawing/2014/main" id="{7378D9B8-066E-A943-443F-B5E46A3C0E14}"/>
               </a:ext>
             </a:extLst>
           </p:cNvPr>
@@ -1792,7 +1792,7 @@
           <p:cNvPr id="7" name="日期占位符 6">
             <a:extLst>
               <a:ext uri="{FF2B5EF4-FFF2-40B4-BE49-F238E27FC236}">
-                <a16:creationId xmlns:a16="http://schemas.microsoft.com/office/drawing/2014/main" id="{47E8DE84-4932-3EF7-D1D4-E3120A518EAD}"/>
+                <a16:creationId xmlns:a16="http://schemas.microsoft.com/office/drawing/2014/main" id="{94C64E40-EEDB-EA62-5989-8B3334DF2134}"/>
               </a:ext>
             </a:extLst>
           </p:cNvPr>
@@ -1808,7 +1808,7 @@
           <a:bodyPr/>
           <a:lstStyle/>
           <a:p>
-            <a:fld id="{B2E6439E-2D6D-4DA9-99E4-3EDA211CF4CD}" type="datetimeFigureOut">
+            <a:fld id="{A93FE63F-DB6B-4C25-833A-410D08F9F685}" type="datetimeFigureOut">
               <a:rPr lang="zh-CN" altLang="en-US" smtClean="0"/>
               <a:t>2024/3/10</a:t>
             </a:fld>
@@ -1821,7 +1821,7 @@
           <p:cNvPr id="8" name="页脚占位符 7">
             <a:extLst>
               <a:ext uri="{FF2B5EF4-FFF2-40B4-BE49-F238E27FC236}">
-                <a16:creationId xmlns:a16="http://schemas.microsoft.com/office/drawing/2014/main" id="{B32D7A3D-E16F-CFE5-3EC9-61A5E17603DE}"/>
+                <a16:creationId xmlns:a16="http://schemas.microsoft.com/office/drawing/2014/main" id="{39DAFA19-3BFD-B7FA-7C77-93CD6B579D70}"/>
               </a:ext>
             </a:extLst>
           </p:cNvPr>
@@ -1846,7 +1846,7 @@
           <p:cNvPr id="9" name="灯片编号占位符 8">
             <a:extLst>
               <a:ext uri="{FF2B5EF4-FFF2-40B4-BE49-F238E27FC236}">
-                <a16:creationId xmlns:a16="http://schemas.microsoft.com/office/drawing/2014/main" id="{50CBE2A9-9DBF-28BD-CFF5-96C56D9984EC}"/>
+                <a16:creationId xmlns:a16="http://schemas.microsoft.com/office/drawing/2014/main" id="{56E68C3C-BA3C-35E6-AF66-CEE30B5CBC09}"/>
               </a:ext>
             </a:extLst>
           </p:cNvPr>
@@ -1862,7 +1862,7 @@
           <a:bodyPr/>
           <a:lstStyle/>
           <a:p>
-            <a:fld id="{3774D476-C184-40BF-9D56-029BF301EDEB}" type="slidenum">
+            <a:fld id="{759A46DF-0388-4443-9742-317579AC8025}" type="slidenum">
               <a:rPr lang="zh-CN" altLang="en-US" smtClean="0"/>
               <a:t>‹#›</a:t>
             </a:fld>
@@ -1873,7 +1873,7 @@
     </p:spTree>
     <p:extLst>
       <p:ext uri="{BB962C8B-B14F-4D97-AF65-F5344CB8AC3E}">
-        <p14:creationId xmlns:p14="http://schemas.microsoft.com/office/powerpoint/2010/main" val="1005284742"/>
+        <p14:creationId xmlns:p14="http://schemas.microsoft.com/office/powerpoint/2010/main" val="2812007911"/>
       </p:ext>
     </p:extLst>
   </p:cSld>
@@ -1905,7 +1905,7 @@
           <p:cNvPr id="2" name="标题 1">
             <a:extLst>
               <a:ext uri="{FF2B5EF4-FFF2-40B4-BE49-F238E27FC236}">
-                <a16:creationId xmlns:a16="http://schemas.microsoft.com/office/drawing/2014/main" id="{2C2C26B4-534B-5129-7742-F76E480E675E}"/>
+                <a16:creationId xmlns:a16="http://schemas.microsoft.com/office/drawing/2014/main" id="{6DA131FD-9993-66E1-5418-811B000D304E}"/>
               </a:ext>
             </a:extLst>
           </p:cNvPr>
@@ -1933,7 +1933,7 @@
           <p:cNvPr id="3" name="日期占位符 2">
             <a:extLst>
               <a:ext uri="{FF2B5EF4-FFF2-40B4-BE49-F238E27FC236}">
-                <a16:creationId xmlns:a16="http://schemas.microsoft.com/office/drawing/2014/main" id="{FE7E37DA-7E26-A875-ABB2-EC7FE9F30362}"/>
+                <a16:creationId xmlns:a16="http://schemas.microsoft.com/office/drawing/2014/main" id="{C1AE098D-3A9F-9D12-7CA2-FD5118A543A5}"/>
               </a:ext>
             </a:extLst>
           </p:cNvPr>
@@ -1949,7 +1949,7 @@
           <a:bodyPr/>
           <a:lstStyle/>
           <a:p>
-            <a:fld id="{B2E6439E-2D6D-4DA9-99E4-3EDA211CF4CD}" type="datetimeFigureOut">
+            <a:fld id="{A93FE63F-DB6B-4C25-833A-410D08F9F685}" type="datetimeFigureOut">
               <a:rPr lang="zh-CN" altLang="en-US" smtClean="0"/>
               <a:t>2024/3/10</a:t>
             </a:fld>
@@ -1962,7 +1962,7 @@
           <p:cNvPr id="4" name="页脚占位符 3">
             <a:extLst>
               <a:ext uri="{FF2B5EF4-FFF2-40B4-BE49-F238E27FC236}">
-                <a16:creationId xmlns:a16="http://schemas.microsoft.com/office/drawing/2014/main" id="{E515F454-21E3-2C80-D421-8E8EACCC6C65}"/>
+                <a16:creationId xmlns:a16="http://schemas.microsoft.com/office/drawing/2014/main" id="{BE751B5B-24C5-F6F7-61B2-D45668A8A490}"/>
               </a:ext>
             </a:extLst>
           </p:cNvPr>
@@ -1987,7 +1987,7 @@
           <p:cNvPr id="5" name="灯片编号占位符 4">
             <a:extLst>
               <a:ext uri="{FF2B5EF4-FFF2-40B4-BE49-F238E27FC236}">
-                <a16:creationId xmlns:a16="http://schemas.microsoft.com/office/drawing/2014/main" id="{526970C5-3F2E-E1BD-B3D1-5703FD3EABCF}"/>
+                <a16:creationId xmlns:a16="http://schemas.microsoft.com/office/drawing/2014/main" id="{3DFFC946-77A3-F332-EAAD-525FAD6D58F1}"/>
               </a:ext>
             </a:extLst>
           </p:cNvPr>
@@ -2003,7 +2003,7 @@
           <a:bodyPr/>
           <a:lstStyle/>
           <a:p>
-            <a:fld id="{3774D476-C184-40BF-9D56-029BF301EDEB}" type="slidenum">
+            <a:fld id="{759A46DF-0388-4443-9742-317579AC8025}" type="slidenum">
               <a:rPr lang="zh-CN" altLang="en-US" smtClean="0"/>
               <a:t>‹#›</a:t>
             </a:fld>
@@ -2014,7 +2014,7 @@
     </p:spTree>
     <p:extLst>
       <p:ext uri="{BB962C8B-B14F-4D97-AF65-F5344CB8AC3E}">
-        <p14:creationId xmlns:p14="http://schemas.microsoft.com/office/powerpoint/2010/main" val="1762505154"/>
+        <p14:creationId xmlns:p14="http://schemas.microsoft.com/office/powerpoint/2010/main" val="3987447013"/>
       </p:ext>
     </p:extLst>
   </p:cSld>
@@ -2046,7 +2046,7 @@
           <p:cNvPr id="2" name="日期占位符 1">
             <a:extLst>
               <a:ext uri="{FF2B5EF4-FFF2-40B4-BE49-F238E27FC236}">
-                <a16:creationId xmlns:a16="http://schemas.microsoft.com/office/drawing/2014/main" id="{D643D294-3A5F-D826-109A-A8BD16C38F2D}"/>
+                <a16:creationId xmlns:a16="http://schemas.microsoft.com/office/drawing/2014/main" id="{30C176AC-656A-8334-6A2C-997956568014}"/>
               </a:ext>
             </a:extLst>
           </p:cNvPr>
@@ -2062,7 +2062,7 @@
           <a:bodyPr/>
           <a:lstStyle/>
           <a:p>
-            <a:fld id="{B2E6439E-2D6D-4DA9-99E4-3EDA211CF4CD}" type="datetimeFigureOut">
+            <a:fld id="{A93FE63F-DB6B-4C25-833A-410D08F9F685}" type="datetimeFigureOut">
               <a:rPr lang="zh-CN" altLang="en-US" smtClean="0"/>
               <a:t>2024/3/10</a:t>
             </a:fld>
@@ -2075,7 +2075,7 @@
           <p:cNvPr id="3" name="页脚占位符 2">
             <a:extLst>
               <a:ext uri="{FF2B5EF4-FFF2-40B4-BE49-F238E27FC236}">
-                <a16:creationId xmlns:a16="http://schemas.microsoft.com/office/drawing/2014/main" id="{88B84CB5-F6D5-7EDE-6D18-E172408E38C9}"/>
+                <a16:creationId xmlns:a16="http://schemas.microsoft.com/office/drawing/2014/main" id="{A83E9BE7-3DC4-9C92-0E71-A827677BB55B}"/>
               </a:ext>
             </a:extLst>
           </p:cNvPr>
@@ -2100,7 +2100,7 @@
           <p:cNvPr id="4" name="灯片编号占位符 3">
             <a:extLst>
               <a:ext uri="{FF2B5EF4-FFF2-40B4-BE49-F238E27FC236}">
-                <a16:creationId xmlns:a16="http://schemas.microsoft.com/office/drawing/2014/main" id="{09752882-AFB8-E026-8D0E-E1F2171DE357}"/>
+                <a16:creationId xmlns:a16="http://schemas.microsoft.com/office/drawing/2014/main" id="{6A3747B7-8E97-3A34-4186-272CD0B5FF33}"/>
               </a:ext>
             </a:extLst>
           </p:cNvPr>
@@ -2116,7 +2116,7 @@
           <a:bodyPr/>
           <a:lstStyle/>
           <a:p>
-            <a:fld id="{3774D476-C184-40BF-9D56-029BF301EDEB}" type="slidenum">
+            <a:fld id="{759A46DF-0388-4443-9742-317579AC8025}" type="slidenum">
               <a:rPr lang="zh-CN" altLang="en-US" smtClean="0"/>
               <a:t>‹#›</a:t>
             </a:fld>
@@ -2127,7 +2127,7 @@
     </p:spTree>
     <p:extLst>
       <p:ext uri="{BB962C8B-B14F-4D97-AF65-F5344CB8AC3E}">
-        <p14:creationId xmlns:p14="http://schemas.microsoft.com/office/powerpoint/2010/main" val="4275978110"/>
+        <p14:creationId xmlns:p14="http://schemas.microsoft.com/office/powerpoint/2010/main" val="781586805"/>
       </p:ext>
     </p:extLst>
   </p:cSld>
@@ -2159,7 +2159,7 @@
           <p:cNvPr id="2" name="标题 1">
             <a:extLst>
               <a:ext uri="{FF2B5EF4-FFF2-40B4-BE49-F238E27FC236}">
-                <a16:creationId xmlns:a16="http://schemas.microsoft.com/office/drawing/2014/main" id="{022B32C2-410F-8537-DF78-14408FCAF43B}"/>
+                <a16:creationId xmlns:a16="http://schemas.microsoft.com/office/drawing/2014/main" id="{3AE50DC9-7A18-B848-9B1A-B3928FA3B75A}"/>
               </a:ext>
             </a:extLst>
           </p:cNvPr>
@@ -2196,7 +2196,7 @@
           <p:cNvPr id="3" name="内容占位符 2">
             <a:extLst>
               <a:ext uri="{FF2B5EF4-FFF2-40B4-BE49-F238E27FC236}">
-                <a16:creationId xmlns:a16="http://schemas.microsoft.com/office/drawing/2014/main" id="{9BF7386C-876A-1728-878B-892BD4A47614}"/>
+                <a16:creationId xmlns:a16="http://schemas.microsoft.com/office/drawing/2014/main" id="{814417C9-A473-4527-53A3-C7C652C0FB5D}"/>
               </a:ext>
             </a:extLst>
           </p:cNvPr>
@@ -2286,7 +2286,7 @@
           <p:cNvPr id="4" name="文本占位符 3">
             <a:extLst>
               <a:ext uri="{FF2B5EF4-FFF2-40B4-BE49-F238E27FC236}">
-                <a16:creationId xmlns:a16="http://schemas.microsoft.com/office/drawing/2014/main" id="{210E9E72-83E6-5EE6-946C-94218FB84C54}"/>
+                <a16:creationId xmlns:a16="http://schemas.microsoft.com/office/drawing/2014/main" id="{9D2CE113-8E33-3420-E0F5-2B93E4AFC75B}"/>
               </a:ext>
             </a:extLst>
           </p:cNvPr>
@@ -2357,7 +2357,7 @@
           <p:cNvPr id="5" name="日期占位符 4">
             <a:extLst>
               <a:ext uri="{FF2B5EF4-FFF2-40B4-BE49-F238E27FC236}">
-                <a16:creationId xmlns:a16="http://schemas.microsoft.com/office/drawing/2014/main" id="{86E831D3-AC32-F827-B840-E7753F816F63}"/>
+                <a16:creationId xmlns:a16="http://schemas.microsoft.com/office/drawing/2014/main" id="{CCDDE446-E036-9EE7-364A-6F7ADAA0F62B}"/>
               </a:ext>
             </a:extLst>
           </p:cNvPr>
@@ -2373,7 +2373,7 @@
           <a:bodyPr/>
           <a:lstStyle/>
           <a:p>
-            <a:fld id="{B2E6439E-2D6D-4DA9-99E4-3EDA211CF4CD}" type="datetimeFigureOut">
+            <a:fld id="{A93FE63F-DB6B-4C25-833A-410D08F9F685}" type="datetimeFigureOut">
               <a:rPr lang="zh-CN" altLang="en-US" smtClean="0"/>
               <a:t>2024/3/10</a:t>
             </a:fld>
@@ -2386,7 +2386,7 @@
           <p:cNvPr id="6" name="页脚占位符 5">
             <a:extLst>
               <a:ext uri="{FF2B5EF4-FFF2-40B4-BE49-F238E27FC236}">
-                <a16:creationId xmlns:a16="http://schemas.microsoft.com/office/drawing/2014/main" id="{2C51054C-A6EE-B58D-0DD8-57E4E19B7777}"/>
+                <a16:creationId xmlns:a16="http://schemas.microsoft.com/office/drawing/2014/main" id="{594CBBCA-F7E3-86E8-FB78-296E5BA08357}"/>
               </a:ext>
             </a:extLst>
           </p:cNvPr>
@@ -2411,7 +2411,7 @@
           <p:cNvPr id="7" name="灯片编号占位符 6">
             <a:extLst>
               <a:ext uri="{FF2B5EF4-FFF2-40B4-BE49-F238E27FC236}">
-                <a16:creationId xmlns:a16="http://schemas.microsoft.com/office/drawing/2014/main" id="{455D7941-4388-F7D2-12AD-9875A4416E0A}"/>
+                <a16:creationId xmlns:a16="http://schemas.microsoft.com/office/drawing/2014/main" id="{65E9ECD4-53A9-2E5F-55CF-4428C2FFCCC6}"/>
               </a:ext>
             </a:extLst>
           </p:cNvPr>
@@ -2427,7 +2427,7 @@
           <a:bodyPr/>
           <a:lstStyle/>
           <a:p>
-            <a:fld id="{3774D476-C184-40BF-9D56-029BF301EDEB}" type="slidenum">
+            <a:fld id="{759A46DF-0388-4443-9742-317579AC8025}" type="slidenum">
               <a:rPr lang="zh-CN" altLang="en-US" smtClean="0"/>
               <a:t>‹#›</a:t>
             </a:fld>
@@ -2438,7 +2438,7 @@
     </p:spTree>
     <p:extLst>
       <p:ext uri="{BB962C8B-B14F-4D97-AF65-F5344CB8AC3E}">
-        <p14:creationId xmlns:p14="http://schemas.microsoft.com/office/powerpoint/2010/main" val="908327575"/>
+        <p14:creationId xmlns:p14="http://schemas.microsoft.com/office/powerpoint/2010/main" val="988465681"/>
       </p:ext>
     </p:extLst>
   </p:cSld>
@@ -2470,7 +2470,7 @@
           <p:cNvPr id="2" name="标题 1">
             <a:extLst>
               <a:ext uri="{FF2B5EF4-FFF2-40B4-BE49-F238E27FC236}">
-                <a16:creationId xmlns:a16="http://schemas.microsoft.com/office/drawing/2014/main" id="{07CD2888-A64A-6B54-A9E1-F8C4BB1DEA13}"/>
+                <a16:creationId xmlns:a16="http://schemas.microsoft.com/office/drawing/2014/main" id="{55449628-FCB0-7043-334B-C9EA05B51EFB}"/>
               </a:ext>
             </a:extLst>
           </p:cNvPr>
@@ -2507,7 +2507,7 @@
           <p:cNvPr id="3" name="图片占位符 2">
             <a:extLst>
               <a:ext uri="{FF2B5EF4-FFF2-40B4-BE49-F238E27FC236}">
-                <a16:creationId xmlns:a16="http://schemas.microsoft.com/office/drawing/2014/main" id="{8627C9BC-DEB4-0A51-57AB-FD566EDE30B2}"/>
+                <a16:creationId xmlns:a16="http://schemas.microsoft.com/office/drawing/2014/main" id="{82EE1FC2-1649-7406-0F09-C13855F8E974}"/>
               </a:ext>
             </a:extLst>
           </p:cNvPr>
@@ -2574,7 +2574,7 @@
           <p:cNvPr id="4" name="文本占位符 3">
             <a:extLst>
               <a:ext uri="{FF2B5EF4-FFF2-40B4-BE49-F238E27FC236}">
-                <a16:creationId xmlns:a16="http://schemas.microsoft.com/office/drawing/2014/main" id="{5D1E39F7-EE35-299B-0DA0-4D67FAD3AEE1}"/>
+                <a16:creationId xmlns:a16="http://schemas.microsoft.com/office/drawing/2014/main" id="{1646281D-E110-1569-4390-9A36AC01690F}"/>
               </a:ext>
             </a:extLst>
           </p:cNvPr>
@@ -2645,7 +2645,7 @@
           <p:cNvPr id="5" name="日期占位符 4">
             <a:extLst>
               <a:ext uri="{FF2B5EF4-FFF2-40B4-BE49-F238E27FC236}">
-                <a16:creationId xmlns:a16="http://schemas.microsoft.com/office/drawing/2014/main" id="{4A35CB19-83BB-C994-6554-FC23B1E89221}"/>
+                <a16:creationId xmlns:a16="http://schemas.microsoft.com/office/drawing/2014/main" id="{960AC407-0417-4C1F-5CCB-1D065CD27653}"/>
               </a:ext>
             </a:extLst>
           </p:cNvPr>
@@ -2661,7 +2661,7 @@
           <a:bodyPr/>
           <a:lstStyle/>
           <a:p>
-            <a:fld id="{B2E6439E-2D6D-4DA9-99E4-3EDA211CF4CD}" type="datetimeFigureOut">
+            <a:fld id="{A93FE63F-DB6B-4C25-833A-410D08F9F685}" type="datetimeFigureOut">
               <a:rPr lang="zh-CN" altLang="en-US" smtClean="0"/>
               <a:t>2024/3/10</a:t>
             </a:fld>
@@ -2674,7 +2674,7 @@
           <p:cNvPr id="6" name="页脚占位符 5">
             <a:extLst>
               <a:ext uri="{FF2B5EF4-FFF2-40B4-BE49-F238E27FC236}">
-                <a16:creationId xmlns:a16="http://schemas.microsoft.com/office/drawing/2014/main" id="{56DE2B26-8D8C-8072-7A29-255D04E9657A}"/>
+                <a16:creationId xmlns:a16="http://schemas.microsoft.com/office/drawing/2014/main" id="{ACFB4C0A-019E-85E2-DAB7-E2EC38D0E94E}"/>
               </a:ext>
             </a:extLst>
           </p:cNvPr>
@@ -2699,7 +2699,7 @@
           <p:cNvPr id="7" name="灯片编号占位符 6">
             <a:extLst>
               <a:ext uri="{FF2B5EF4-FFF2-40B4-BE49-F238E27FC236}">
-                <a16:creationId xmlns:a16="http://schemas.microsoft.com/office/drawing/2014/main" id="{4BC320E6-9072-9C23-3E75-986A2C308292}"/>
+                <a16:creationId xmlns:a16="http://schemas.microsoft.com/office/drawing/2014/main" id="{9A3BF31B-557C-FB98-991D-670A11166527}"/>
               </a:ext>
             </a:extLst>
           </p:cNvPr>
@@ -2715,7 +2715,7 @@
           <a:bodyPr/>
           <a:lstStyle/>
           <a:p>
-            <a:fld id="{3774D476-C184-40BF-9D56-029BF301EDEB}" type="slidenum">
+            <a:fld id="{759A46DF-0388-4443-9742-317579AC8025}" type="slidenum">
               <a:rPr lang="zh-CN" altLang="en-US" smtClean="0"/>
               <a:t>‹#›</a:t>
             </a:fld>
@@ -2726,7 +2726,7 @@
     </p:spTree>
     <p:extLst>
       <p:ext uri="{BB962C8B-B14F-4D97-AF65-F5344CB8AC3E}">
-        <p14:creationId xmlns:p14="http://schemas.microsoft.com/office/powerpoint/2010/main" val="3451957816"/>
+        <p14:creationId xmlns:p14="http://schemas.microsoft.com/office/powerpoint/2010/main" val="4086488731"/>
       </p:ext>
     </p:extLst>
   </p:cSld>
@@ -2763,7 +2763,7 @@
           <p:cNvPr id="2" name="标题占位符 1">
             <a:extLst>
               <a:ext uri="{FF2B5EF4-FFF2-40B4-BE49-F238E27FC236}">
-                <a16:creationId xmlns:a16="http://schemas.microsoft.com/office/drawing/2014/main" id="{F3F63873-8329-4B5F-809F-0C4D50532B1C}"/>
+                <a16:creationId xmlns:a16="http://schemas.microsoft.com/office/drawing/2014/main" id="{55469881-518E-BB71-DE67-7A181D0B84DE}"/>
               </a:ext>
             </a:extLst>
           </p:cNvPr>
@@ -2801,7 +2801,7 @@
           <p:cNvPr id="3" name="文本占位符 2">
             <a:extLst>
               <a:ext uri="{FF2B5EF4-FFF2-40B4-BE49-F238E27FC236}">
-                <a16:creationId xmlns:a16="http://schemas.microsoft.com/office/drawing/2014/main" id="{2B2C0A46-41D4-0DA1-FA52-083E5C108C59}"/>
+                <a16:creationId xmlns:a16="http://schemas.microsoft.com/office/drawing/2014/main" id="{EE33AD5A-B564-FD26-768E-4036D0D5733D}"/>
               </a:ext>
             </a:extLst>
           </p:cNvPr>
@@ -2868,7 +2868,7 @@
           <p:cNvPr id="4" name="日期占位符 3">
             <a:extLst>
               <a:ext uri="{FF2B5EF4-FFF2-40B4-BE49-F238E27FC236}">
-                <a16:creationId xmlns:a16="http://schemas.microsoft.com/office/drawing/2014/main" id="{FC156A40-4075-D242-C6F8-10F6DE9880ED}"/>
+                <a16:creationId xmlns:a16="http://schemas.microsoft.com/office/drawing/2014/main" id="{940AA1ED-8F11-840A-FD92-148353B73382}"/>
               </a:ext>
             </a:extLst>
           </p:cNvPr>
@@ -2902,7 +2902,7 @@
             </a:lvl1pPr>
           </a:lstStyle>
           <a:p>
-            <a:fld id="{B2E6439E-2D6D-4DA9-99E4-3EDA211CF4CD}" type="datetimeFigureOut">
+            <a:fld id="{A93FE63F-DB6B-4C25-833A-410D08F9F685}" type="datetimeFigureOut">
               <a:rPr lang="zh-CN" altLang="en-US" smtClean="0"/>
               <a:t>2024/3/10</a:t>
             </a:fld>
@@ -2915,7 +2915,7 @@
           <p:cNvPr id="5" name="页脚占位符 4">
             <a:extLst>
               <a:ext uri="{FF2B5EF4-FFF2-40B4-BE49-F238E27FC236}">
-                <a16:creationId xmlns:a16="http://schemas.microsoft.com/office/drawing/2014/main" id="{422ABC4C-D904-F6A4-D41C-7F447BC19749}"/>
+                <a16:creationId xmlns:a16="http://schemas.microsoft.com/office/drawing/2014/main" id="{7BF15B96-E3E7-6959-FC7D-0971B4242129}"/>
               </a:ext>
             </a:extLst>
           </p:cNvPr>
@@ -2958,7 +2958,7 @@
           <p:cNvPr id="6" name="灯片编号占位符 5">
             <a:extLst>
               <a:ext uri="{FF2B5EF4-FFF2-40B4-BE49-F238E27FC236}">
-                <a16:creationId xmlns:a16="http://schemas.microsoft.com/office/drawing/2014/main" id="{5F0FE43A-77C4-016F-FC01-AF495B9ED45E}"/>
+                <a16:creationId xmlns:a16="http://schemas.microsoft.com/office/drawing/2014/main" id="{A88A376D-2CC9-EDE6-11AA-68F8E0DE5DBA}"/>
               </a:ext>
             </a:extLst>
           </p:cNvPr>
@@ -2992,7 +2992,7 @@
             </a:lvl1pPr>
           </a:lstStyle>
           <a:p>
-            <a:fld id="{3774D476-C184-40BF-9D56-029BF301EDEB}" type="slidenum">
+            <a:fld id="{759A46DF-0388-4443-9742-317579AC8025}" type="slidenum">
               <a:rPr lang="zh-CN" altLang="en-US" smtClean="0"/>
               <a:t>‹#›</a:t>
             </a:fld>
@@ -3003,7 +3003,7 @@
     </p:spTree>
     <p:extLst>
       <p:ext uri="{BB962C8B-B14F-4D97-AF65-F5344CB8AC3E}">
-        <p14:creationId xmlns:p14="http://schemas.microsoft.com/office/powerpoint/2010/main" val="1023356250"/>
+        <p14:creationId xmlns:p14="http://schemas.microsoft.com/office/powerpoint/2010/main" val="386557299"/>
       </p:ext>
     </p:extLst>
   </p:cSld>
@@ -3323,7 +3323,7 @@
       </p:grpSpPr>
       <p:pic>
         <p:nvPicPr>
-          <p:cNvPr id="1332226" name="Picture 2" descr="1300"/>
+          <p:cNvPr id="1333250" name="Picture 2" descr="1301"/>
           <p:cNvPicPr>
             <a:picLocks noChangeAspect="1" noChangeArrowheads="1"/>
           </p:cNvPicPr>
@@ -3345,7 +3345,7 @@
         <p:spPr bwMode="auto">
           <a:xfrm>
             <a:off x="1524000" y="0"/>
-            <a:ext cx="9144000" cy="6789738"/>
+            <a:ext cx="9144000" cy="6858000"/>
           </a:xfrm>
           <a:prstGeom prst="rect">
             <a:avLst/>
